--- a/ContinuousIntegration_AOLV/ppt/Diapositivas.pptx
+++ b/ContinuousIntegration_AOLV/ppt/Diapositivas.pptx
@@ -4227,7 +4227,7 @@
           <a:p>
             <a:fld id="{63D5FC4C-9EE1-4746-A368-724F618FC790}" type="datetimeFigureOut">
               <a:rPr lang="es-PE" smtClean="0"/>
-              <a:t>25/02/2012</a:t>
+              <a:t>11/11/2012</a:t>
             </a:fld>
             <a:endParaRPr lang="es-PE"/>
           </a:p>
@@ -5444,11 +5444,11 @@
               <a:buNone/>
             </a:pPr>
             <a:r>
-              <a:rPr lang="es-PE" dirty="0" smtClean="0"/>
+              <a:rPr lang="es-PE" smtClean="0"/>
               <a:t>Para este momento todos debe estar sentados</a:t>
             </a:r>
             <a:r>
-              <a:rPr lang="es-PE" baseline="0" dirty="0" smtClean="0"/>
+              <a:rPr lang="es-PE" baseline="0" smtClean="0"/>
               <a:t> en parejas</a:t>
             </a:r>
           </a:p>
@@ -5647,20 +5647,6 @@
               <a:buFontTx/>
               <a:buNone/>
             </a:pPr>
-            <a:r>
-              <a:rPr lang="es-PE" dirty="0" smtClean="0"/>
-              <a:t>Para este momento todos debe estar sentados</a:t>
-            </a:r>
-            <a:r>
-              <a:rPr lang="es-PE" baseline="0" dirty="0" smtClean="0"/>
-              <a:t> en parejas</a:t>
-            </a:r>
-          </a:p>
-          <a:p>
-            <a:pPr marL="0" indent="0">
-              <a:buFontTx/>
-              <a:buNone/>
-            </a:pPr>
             <a:endParaRPr lang="es-PE" baseline="0" dirty="0" smtClean="0"/>
           </a:p>
         </p:txBody>
@@ -6304,7 +6290,7 @@
             <a:fld id="{807CB568-C05F-482F-9F26-AA302B8892DF}" type="datetimeFigureOut">
               <a:rPr lang="es-ES" smtClean="0"/>
               <a:pPr/>
-              <a:t>25/02/2012</a:t>
+              <a:t>11/11/2012</a:t>
             </a:fld>
             <a:endParaRPr lang="es-ES"/>
           </a:p>
@@ -6498,7 +6484,7 @@
             <a:fld id="{807CB568-C05F-482F-9F26-AA302B8892DF}" type="datetimeFigureOut">
               <a:rPr lang="es-ES" smtClean="0"/>
               <a:pPr/>
-              <a:t>25/02/2012</a:t>
+              <a:t>11/11/2012</a:t>
             </a:fld>
             <a:endParaRPr lang="es-ES"/>
           </a:p>
@@ -6702,7 +6688,7 @@
             <a:fld id="{807CB568-C05F-482F-9F26-AA302B8892DF}" type="datetimeFigureOut">
               <a:rPr lang="es-ES" smtClean="0"/>
               <a:pPr/>
-              <a:t>25/02/2012</a:t>
+              <a:t>11/11/2012</a:t>
             </a:fld>
             <a:endParaRPr lang="es-ES"/>
           </a:p>
@@ -6896,7 +6882,7 @@
             <a:fld id="{807CB568-C05F-482F-9F26-AA302B8892DF}" type="datetimeFigureOut">
               <a:rPr lang="es-ES" smtClean="0"/>
               <a:pPr/>
-              <a:t>25/02/2012</a:t>
+              <a:t>11/11/2012</a:t>
             </a:fld>
             <a:endParaRPr lang="es-ES"/>
           </a:p>
@@ -7166,7 +7152,7 @@
             <a:fld id="{807CB568-C05F-482F-9F26-AA302B8892DF}" type="datetimeFigureOut">
               <a:rPr lang="es-ES" smtClean="0"/>
               <a:pPr/>
-              <a:t>25/02/2012</a:t>
+              <a:t>11/11/2012</a:t>
             </a:fld>
             <a:endParaRPr lang="es-ES"/>
           </a:p>
@@ -7481,7 +7467,7 @@
             <a:fld id="{807CB568-C05F-482F-9F26-AA302B8892DF}" type="datetimeFigureOut">
               <a:rPr lang="es-ES" smtClean="0"/>
               <a:pPr/>
-              <a:t>25/02/2012</a:t>
+              <a:t>11/11/2012</a:t>
             </a:fld>
             <a:endParaRPr lang="es-ES"/>
           </a:p>
@@ -7936,7 +7922,7 @@
             <a:fld id="{807CB568-C05F-482F-9F26-AA302B8892DF}" type="datetimeFigureOut">
               <a:rPr lang="es-ES" smtClean="0"/>
               <a:pPr/>
-              <a:t>25/02/2012</a:t>
+              <a:t>11/11/2012</a:t>
             </a:fld>
             <a:endParaRPr lang="es-ES"/>
           </a:p>
@@ -8075,7 +8061,7 @@
             <a:fld id="{807CB568-C05F-482F-9F26-AA302B8892DF}" type="datetimeFigureOut">
               <a:rPr lang="es-ES" smtClean="0"/>
               <a:pPr/>
-              <a:t>25/02/2012</a:t>
+              <a:t>11/11/2012</a:t>
             </a:fld>
             <a:endParaRPr lang="es-ES"/>
           </a:p>
@@ -8188,7 +8174,7 @@
             <a:fld id="{807CB568-C05F-482F-9F26-AA302B8892DF}" type="datetimeFigureOut">
               <a:rPr lang="es-ES" smtClean="0"/>
               <a:pPr/>
-              <a:t>25/02/2012</a:t>
+              <a:t>11/11/2012</a:t>
             </a:fld>
             <a:endParaRPr lang="es-ES"/>
           </a:p>
@@ -8492,7 +8478,7 @@
             <a:fld id="{807CB568-C05F-482F-9F26-AA302B8892DF}" type="datetimeFigureOut">
               <a:rPr lang="es-ES" smtClean="0"/>
               <a:pPr/>
-              <a:t>25/02/2012</a:t>
+              <a:t>11/11/2012</a:t>
             </a:fld>
             <a:endParaRPr lang="es-ES"/>
           </a:p>
@@ -8779,7 +8765,7 @@
             <a:fld id="{807CB568-C05F-482F-9F26-AA302B8892DF}" type="datetimeFigureOut">
               <a:rPr lang="es-ES" smtClean="0"/>
               <a:pPr/>
-              <a:t>25/02/2012</a:t>
+              <a:t>11/11/2012</a:t>
             </a:fld>
             <a:endParaRPr lang="es-ES"/>
           </a:p>
@@ -9045,7 +9031,7 @@
             <a:fld id="{807CB568-C05F-482F-9F26-AA302B8892DF}" type="datetimeFigureOut">
               <a:rPr lang="es-ES" smtClean="0"/>
               <a:pPr/>
-              <a:t>25/02/2012</a:t>
+              <a:t>11/11/2012</a:t>
             </a:fld>
             <a:endParaRPr lang="es-ES"/>
           </a:p>
@@ -10229,11 +10215,6 @@
               </a:rPr>
               <a:t>Herramientas</a:t>
             </a:r>
-            <a:endParaRPr lang="es-PE" sz="3600" dirty="0" smtClean="0">
-              <a:solidFill>
-                <a:srgbClr val="FFC000"/>
-              </a:solidFill>
-            </a:endParaRPr>
           </a:p>
         </p:txBody>
       </p:sp>
@@ -10514,13 +10495,6 @@
               </a:rPr>
               <a:t>, etc.</a:t>
             </a:r>
-            <a:endParaRPr lang="es-PE" sz="2600" dirty="0" smtClean="0">
-              <a:solidFill>
-                <a:schemeClr val="tx1">
-                  <a:lumMod val="95000"/>
-                </a:schemeClr>
-              </a:solidFill>
-            </a:endParaRPr>
           </a:p>
         </p:txBody>
       </p:sp>
@@ -10971,11 +10945,6 @@
               </a:rPr>
               <a:t>Configuración</a:t>
             </a:r>
-            <a:endParaRPr lang="es-PE" sz="3600" dirty="0" smtClean="0">
-              <a:solidFill>
-                <a:srgbClr val="FFC000"/>
-              </a:solidFill>
-            </a:endParaRPr>
           </a:p>
         </p:txBody>
       </p:sp>
@@ -12804,7 +12773,11 @@
             </a:r>
             <a:r>
               <a:rPr lang="es-PE" sz="3600" i="1" dirty="0" smtClean="0"/>
-              <a:t>donde los miembros del equipo buscan integrar y verificar su trabajo de manera muy pero muy frecuente.</a:t>
+              <a:t>donde </a:t>
+            </a:r>
+            <a:r>
+              <a:rPr lang="es-PE" sz="3600" i="1" dirty="0" smtClean="0"/>
+              <a:t>los miembros del equipo buscan integrar y verificar su trabajo de manera muy pero muy frecuente.</a:t>
             </a:r>
             <a:endParaRPr lang="es-PE" i="1" dirty="0" smtClean="0"/>
           </a:p>
@@ -14545,11 +14518,6 @@
               </a:rPr>
               <a:t>Herramientas</a:t>
             </a:r>
-            <a:endParaRPr lang="es-PE" sz="3600" dirty="0" smtClean="0">
-              <a:solidFill>
-                <a:srgbClr val="FFC000"/>
-              </a:solidFill>
-            </a:endParaRPr>
           </a:p>
         </p:txBody>
       </p:sp>
